--- a/notes/Supervised Learning lab example.pptx
+++ b/notes/Supervised Learning lab example.pptx
@@ -140,7 +140,7 @@
           <p:cNvPr id="2" name="Title 1">
             <a:extLst>
               <a:ext uri="{FF2B5EF4-FFF2-40B4-BE49-F238E27FC236}">
-                <a16:creationId xmlns:a16="http://schemas.microsoft.com/office/drawing/2014/main" id="{28E6120B-9954-06E0-F4AE-A1F50EDAAC37}"/>
+                <a16:creationId xmlns:a16="http://schemas.microsoft.com/office/drawing/2014/main" xmlns="" id="{28E6120B-9954-06E0-F4AE-A1F50EDAAC37}"/>
               </a:ext>
             </a:extLst>
           </p:cNvPr>
@@ -178,7 +178,7 @@
           <p:cNvPr id="3" name="Subtitle 2">
             <a:extLst>
               <a:ext uri="{FF2B5EF4-FFF2-40B4-BE49-F238E27FC236}">
-                <a16:creationId xmlns:a16="http://schemas.microsoft.com/office/drawing/2014/main" id="{A7E74194-323C-EB7F-E5F8-72CA7D7DD642}"/>
+                <a16:creationId xmlns:a16="http://schemas.microsoft.com/office/drawing/2014/main" xmlns="" id="{A7E74194-323C-EB7F-E5F8-72CA7D7DD642}"/>
               </a:ext>
             </a:extLst>
           </p:cNvPr>
@@ -249,7 +249,7 @@
           <p:cNvPr id="4" name="Date Placeholder 3">
             <a:extLst>
               <a:ext uri="{FF2B5EF4-FFF2-40B4-BE49-F238E27FC236}">
-                <a16:creationId xmlns:a16="http://schemas.microsoft.com/office/drawing/2014/main" id="{B91B3C01-7ECC-F01C-EAEF-EA7D5766617F}"/>
+                <a16:creationId xmlns:a16="http://schemas.microsoft.com/office/drawing/2014/main" xmlns="" id="{B91B3C01-7ECC-F01C-EAEF-EA7D5766617F}"/>
               </a:ext>
             </a:extLst>
           </p:cNvPr>
@@ -267,7 +267,7 @@
           <a:p>
             <a:fld id="{29ED42FC-243C-41FD-852D-9E078ACED360}" type="datetimeFigureOut">
               <a:rPr lang="en-IN" smtClean="0"/>
-              <a:t>18-04-2024</a:t>
+              <a:t>29-04-2024</a:t>
             </a:fld>
             <a:endParaRPr lang="en-IN"/>
           </a:p>
@@ -278,7 +278,7 @@
           <p:cNvPr id="5" name="Footer Placeholder 4">
             <a:extLst>
               <a:ext uri="{FF2B5EF4-FFF2-40B4-BE49-F238E27FC236}">
-                <a16:creationId xmlns:a16="http://schemas.microsoft.com/office/drawing/2014/main" id="{DD0F22B1-EBAD-D62C-1556-9D20819DEDFB}"/>
+                <a16:creationId xmlns:a16="http://schemas.microsoft.com/office/drawing/2014/main" xmlns="" id="{DD0F22B1-EBAD-D62C-1556-9D20819DEDFB}"/>
               </a:ext>
             </a:extLst>
           </p:cNvPr>
@@ -303,7 +303,7 @@
           <p:cNvPr id="6" name="Slide Number Placeholder 5">
             <a:extLst>
               <a:ext uri="{FF2B5EF4-FFF2-40B4-BE49-F238E27FC236}">
-                <a16:creationId xmlns:a16="http://schemas.microsoft.com/office/drawing/2014/main" id="{33B1DB12-6010-45D9-EF90-F902E768ECE3}"/>
+                <a16:creationId xmlns:a16="http://schemas.microsoft.com/office/drawing/2014/main" xmlns="" id="{33B1DB12-6010-45D9-EF90-F902E768ECE3}"/>
               </a:ext>
             </a:extLst>
           </p:cNvPr>
@@ -362,7 +362,7 @@
           <p:cNvPr id="2" name="Title 1">
             <a:extLst>
               <a:ext uri="{FF2B5EF4-FFF2-40B4-BE49-F238E27FC236}">
-                <a16:creationId xmlns:a16="http://schemas.microsoft.com/office/drawing/2014/main" id="{FAECB5CB-DCBE-8579-7233-17B3C7B4EED9}"/>
+                <a16:creationId xmlns:a16="http://schemas.microsoft.com/office/drawing/2014/main" xmlns="" id="{FAECB5CB-DCBE-8579-7233-17B3C7B4EED9}"/>
               </a:ext>
             </a:extLst>
           </p:cNvPr>
@@ -391,7 +391,7 @@
           <p:cNvPr id="3" name="Vertical Text Placeholder 2">
             <a:extLst>
               <a:ext uri="{FF2B5EF4-FFF2-40B4-BE49-F238E27FC236}">
-                <a16:creationId xmlns:a16="http://schemas.microsoft.com/office/drawing/2014/main" id="{28E0BF43-FD01-4B8E-7A97-60A822C7FA47}"/>
+                <a16:creationId xmlns:a16="http://schemas.microsoft.com/office/drawing/2014/main" xmlns="" id="{28E0BF43-FD01-4B8E-7A97-60A822C7FA47}"/>
               </a:ext>
             </a:extLst>
           </p:cNvPr>
@@ -449,7 +449,7 @@
           <p:cNvPr id="4" name="Date Placeholder 3">
             <a:extLst>
               <a:ext uri="{FF2B5EF4-FFF2-40B4-BE49-F238E27FC236}">
-                <a16:creationId xmlns:a16="http://schemas.microsoft.com/office/drawing/2014/main" id="{779913AD-245A-EA36-BA32-ECF9CA5F6BB6}"/>
+                <a16:creationId xmlns:a16="http://schemas.microsoft.com/office/drawing/2014/main" xmlns="" id="{779913AD-245A-EA36-BA32-ECF9CA5F6BB6}"/>
               </a:ext>
             </a:extLst>
           </p:cNvPr>
@@ -467,7 +467,7 @@
           <a:p>
             <a:fld id="{29ED42FC-243C-41FD-852D-9E078ACED360}" type="datetimeFigureOut">
               <a:rPr lang="en-IN" smtClean="0"/>
-              <a:t>18-04-2024</a:t>
+              <a:t>29-04-2024</a:t>
             </a:fld>
             <a:endParaRPr lang="en-IN"/>
           </a:p>
@@ -478,7 +478,7 @@
           <p:cNvPr id="5" name="Footer Placeholder 4">
             <a:extLst>
               <a:ext uri="{FF2B5EF4-FFF2-40B4-BE49-F238E27FC236}">
-                <a16:creationId xmlns:a16="http://schemas.microsoft.com/office/drawing/2014/main" id="{CDA23815-134D-D0EB-63AD-FDC417F4D1A1}"/>
+                <a16:creationId xmlns:a16="http://schemas.microsoft.com/office/drawing/2014/main" xmlns="" id="{CDA23815-134D-D0EB-63AD-FDC417F4D1A1}"/>
               </a:ext>
             </a:extLst>
           </p:cNvPr>
@@ -503,7 +503,7 @@
           <p:cNvPr id="6" name="Slide Number Placeholder 5">
             <a:extLst>
               <a:ext uri="{FF2B5EF4-FFF2-40B4-BE49-F238E27FC236}">
-                <a16:creationId xmlns:a16="http://schemas.microsoft.com/office/drawing/2014/main" id="{D9AAAEED-9421-5E41-FC8E-87D3C7EF0B27}"/>
+                <a16:creationId xmlns:a16="http://schemas.microsoft.com/office/drawing/2014/main" xmlns="" id="{D9AAAEED-9421-5E41-FC8E-87D3C7EF0B27}"/>
               </a:ext>
             </a:extLst>
           </p:cNvPr>
@@ -562,7 +562,7 @@
           <p:cNvPr id="2" name="Vertical Title 1">
             <a:extLst>
               <a:ext uri="{FF2B5EF4-FFF2-40B4-BE49-F238E27FC236}">
-                <a16:creationId xmlns:a16="http://schemas.microsoft.com/office/drawing/2014/main" id="{F4C6441D-7089-6881-3347-996A08CFA0BC}"/>
+                <a16:creationId xmlns:a16="http://schemas.microsoft.com/office/drawing/2014/main" xmlns="" id="{F4C6441D-7089-6881-3347-996A08CFA0BC}"/>
               </a:ext>
             </a:extLst>
           </p:cNvPr>
@@ -596,7 +596,7 @@
           <p:cNvPr id="3" name="Vertical Text Placeholder 2">
             <a:extLst>
               <a:ext uri="{FF2B5EF4-FFF2-40B4-BE49-F238E27FC236}">
-                <a16:creationId xmlns:a16="http://schemas.microsoft.com/office/drawing/2014/main" id="{E16A4834-F6F8-A889-8EAB-416F0FB508F7}"/>
+                <a16:creationId xmlns:a16="http://schemas.microsoft.com/office/drawing/2014/main" xmlns="" id="{E16A4834-F6F8-A889-8EAB-416F0FB508F7}"/>
               </a:ext>
             </a:extLst>
           </p:cNvPr>
@@ -659,7 +659,7 @@
           <p:cNvPr id="4" name="Date Placeholder 3">
             <a:extLst>
               <a:ext uri="{FF2B5EF4-FFF2-40B4-BE49-F238E27FC236}">
-                <a16:creationId xmlns:a16="http://schemas.microsoft.com/office/drawing/2014/main" id="{5FFA7A53-C706-E7D6-2E7D-13BDE278EE82}"/>
+                <a16:creationId xmlns:a16="http://schemas.microsoft.com/office/drawing/2014/main" xmlns="" id="{5FFA7A53-C706-E7D6-2E7D-13BDE278EE82}"/>
               </a:ext>
             </a:extLst>
           </p:cNvPr>
@@ -677,7 +677,7 @@
           <a:p>
             <a:fld id="{29ED42FC-243C-41FD-852D-9E078ACED360}" type="datetimeFigureOut">
               <a:rPr lang="en-IN" smtClean="0"/>
-              <a:t>18-04-2024</a:t>
+              <a:t>29-04-2024</a:t>
             </a:fld>
             <a:endParaRPr lang="en-IN"/>
           </a:p>
@@ -688,7 +688,7 @@
           <p:cNvPr id="5" name="Footer Placeholder 4">
             <a:extLst>
               <a:ext uri="{FF2B5EF4-FFF2-40B4-BE49-F238E27FC236}">
-                <a16:creationId xmlns:a16="http://schemas.microsoft.com/office/drawing/2014/main" id="{2524B82D-A94B-7A26-5C16-DF405341708B}"/>
+                <a16:creationId xmlns:a16="http://schemas.microsoft.com/office/drawing/2014/main" xmlns="" id="{2524B82D-A94B-7A26-5C16-DF405341708B}"/>
               </a:ext>
             </a:extLst>
           </p:cNvPr>
@@ -713,7 +713,7 @@
           <p:cNvPr id="6" name="Slide Number Placeholder 5">
             <a:extLst>
               <a:ext uri="{FF2B5EF4-FFF2-40B4-BE49-F238E27FC236}">
-                <a16:creationId xmlns:a16="http://schemas.microsoft.com/office/drawing/2014/main" id="{5CDF071F-2612-F2DD-8DFF-27BB203F6793}"/>
+                <a16:creationId xmlns:a16="http://schemas.microsoft.com/office/drawing/2014/main" xmlns="" id="{5CDF071F-2612-F2DD-8DFF-27BB203F6793}"/>
               </a:ext>
             </a:extLst>
           </p:cNvPr>
@@ -772,7 +772,7 @@
           <p:cNvPr id="2" name="Title 1">
             <a:extLst>
               <a:ext uri="{FF2B5EF4-FFF2-40B4-BE49-F238E27FC236}">
-                <a16:creationId xmlns:a16="http://schemas.microsoft.com/office/drawing/2014/main" id="{1F36D234-74A0-5ACE-A529-3FC66A27193E}"/>
+                <a16:creationId xmlns:a16="http://schemas.microsoft.com/office/drawing/2014/main" xmlns="" id="{1F36D234-74A0-5ACE-A529-3FC66A27193E}"/>
               </a:ext>
             </a:extLst>
           </p:cNvPr>
@@ -801,7 +801,7 @@
           <p:cNvPr id="3" name="Content Placeholder 2">
             <a:extLst>
               <a:ext uri="{FF2B5EF4-FFF2-40B4-BE49-F238E27FC236}">
-                <a16:creationId xmlns:a16="http://schemas.microsoft.com/office/drawing/2014/main" id="{6BAD6231-E14F-2B36-525B-FA30DA9CB74D}"/>
+                <a16:creationId xmlns:a16="http://schemas.microsoft.com/office/drawing/2014/main" xmlns="" id="{6BAD6231-E14F-2B36-525B-FA30DA9CB74D}"/>
               </a:ext>
             </a:extLst>
           </p:cNvPr>
@@ -859,7 +859,7 @@
           <p:cNvPr id="4" name="Date Placeholder 3">
             <a:extLst>
               <a:ext uri="{FF2B5EF4-FFF2-40B4-BE49-F238E27FC236}">
-                <a16:creationId xmlns:a16="http://schemas.microsoft.com/office/drawing/2014/main" id="{525B0256-D372-6888-3CB3-E4C83C07F324}"/>
+                <a16:creationId xmlns:a16="http://schemas.microsoft.com/office/drawing/2014/main" xmlns="" id="{525B0256-D372-6888-3CB3-E4C83C07F324}"/>
               </a:ext>
             </a:extLst>
           </p:cNvPr>
@@ -877,7 +877,7 @@
           <a:p>
             <a:fld id="{29ED42FC-243C-41FD-852D-9E078ACED360}" type="datetimeFigureOut">
               <a:rPr lang="en-IN" smtClean="0"/>
-              <a:t>18-04-2024</a:t>
+              <a:t>29-04-2024</a:t>
             </a:fld>
             <a:endParaRPr lang="en-IN"/>
           </a:p>
@@ -888,7 +888,7 @@
           <p:cNvPr id="5" name="Footer Placeholder 4">
             <a:extLst>
               <a:ext uri="{FF2B5EF4-FFF2-40B4-BE49-F238E27FC236}">
-                <a16:creationId xmlns:a16="http://schemas.microsoft.com/office/drawing/2014/main" id="{37A674A1-7D43-2385-1C69-6642DB0FA961}"/>
+                <a16:creationId xmlns:a16="http://schemas.microsoft.com/office/drawing/2014/main" xmlns="" id="{37A674A1-7D43-2385-1C69-6642DB0FA961}"/>
               </a:ext>
             </a:extLst>
           </p:cNvPr>
@@ -913,7 +913,7 @@
           <p:cNvPr id="6" name="Slide Number Placeholder 5">
             <a:extLst>
               <a:ext uri="{FF2B5EF4-FFF2-40B4-BE49-F238E27FC236}">
-                <a16:creationId xmlns:a16="http://schemas.microsoft.com/office/drawing/2014/main" id="{2E1C7FC8-5FF9-EB85-7A69-50993E91C604}"/>
+                <a16:creationId xmlns:a16="http://schemas.microsoft.com/office/drawing/2014/main" xmlns="" id="{2E1C7FC8-5FF9-EB85-7A69-50993E91C604}"/>
               </a:ext>
             </a:extLst>
           </p:cNvPr>
@@ -972,7 +972,7 @@
           <p:cNvPr id="2" name="Title 1">
             <a:extLst>
               <a:ext uri="{FF2B5EF4-FFF2-40B4-BE49-F238E27FC236}">
-                <a16:creationId xmlns:a16="http://schemas.microsoft.com/office/drawing/2014/main" id="{915B2606-CAEE-D7C2-B8BA-EFAD21F474B2}"/>
+                <a16:creationId xmlns:a16="http://schemas.microsoft.com/office/drawing/2014/main" xmlns="" id="{915B2606-CAEE-D7C2-B8BA-EFAD21F474B2}"/>
               </a:ext>
             </a:extLst>
           </p:cNvPr>
@@ -1010,7 +1010,7 @@
           <p:cNvPr id="3" name="Text Placeholder 2">
             <a:extLst>
               <a:ext uri="{FF2B5EF4-FFF2-40B4-BE49-F238E27FC236}">
-                <a16:creationId xmlns:a16="http://schemas.microsoft.com/office/drawing/2014/main" id="{3E613FC5-93F6-134F-451B-6F3A46028B26}"/>
+                <a16:creationId xmlns:a16="http://schemas.microsoft.com/office/drawing/2014/main" xmlns="" id="{3E613FC5-93F6-134F-451B-6F3A46028B26}"/>
               </a:ext>
             </a:extLst>
           </p:cNvPr>
@@ -1135,7 +1135,7 @@
           <p:cNvPr id="4" name="Date Placeholder 3">
             <a:extLst>
               <a:ext uri="{FF2B5EF4-FFF2-40B4-BE49-F238E27FC236}">
-                <a16:creationId xmlns:a16="http://schemas.microsoft.com/office/drawing/2014/main" id="{A7258D55-3C99-9268-5850-BEEBF246C1E7}"/>
+                <a16:creationId xmlns:a16="http://schemas.microsoft.com/office/drawing/2014/main" xmlns="" id="{A7258D55-3C99-9268-5850-BEEBF246C1E7}"/>
               </a:ext>
             </a:extLst>
           </p:cNvPr>
@@ -1153,7 +1153,7 @@
           <a:p>
             <a:fld id="{29ED42FC-243C-41FD-852D-9E078ACED360}" type="datetimeFigureOut">
               <a:rPr lang="en-IN" smtClean="0"/>
-              <a:t>18-04-2024</a:t>
+              <a:t>29-04-2024</a:t>
             </a:fld>
             <a:endParaRPr lang="en-IN"/>
           </a:p>
@@ -1164,7 +1164,7 @@
           <p:cNvPr id="5" name="Footer Placeholder 4">
             <a:extLst>
               <a:ext uri="{FF2B5EF4-FFF2-40B4-BE49-F238E27FC236}">
-                <a16:creationId xmlns:a16="http://schemas.microsoft.com/office/drawing/2014/main" id="{BE7B1019-7251-4EE2-6E5F-D5DA257A547A}"/>
+                <a16:creationId xmlns:a16="http://schemas.microsoft.com/office/drawing/2014/main" xmlns="" id="{BE7B1019-7251-4EE2-6E5F-D5DA257A547A}"/>
               </a:ext>
             </a:extLst>
           </p:cNvPr>
@@ -1189,7 +1189,7 @@
           <p:cNvPr id="6" name="Slide Number Placeholder 5">
             <a:extLst>
               <a:ext uri="{FF2B5EF4-FFF2-40B4-BE49-F238E27FC236}">
-                <a16:creationId xmlns:a16="http://schemas.microsoft.com/office/drawing/2014/main" id="{ECBDECF7-0661-90DA-CD5A-109EE88CFED3}"/>
+                <a16:creationId xmlns:a16="http://schemas.microsoft.com/office/drawing/2014/main" xmlns="" id="{ECBDECF7-0661-90DA-CD5A-109EE88CFED3}"/>
               </a:ext>
             </a:extLst>
           </p:cNvPr>
@@ -1248,7 +1248,7 @@
           <p:cNvPr id="2" name="Title 1">
             <a:extLst>
               <a:ext uri="{FF2B5EF4-FFF2-40B4-BE49-F238E27FC236}">
-                <a16:creationId xmlns:a16="http://schemas.microsoft.com/office/drawing/2014/main" id="{47176C7D-10DC-EEFA-7A65-D1051349E164}"/>
+                <a16:creationId xmlns:a16="http://schemas.microsoft.com/office/drawing/2014/main" xmlns="" id="{47176C7D-10DC-EEFA-7A65-D1051349E164}"/>
               </a:ext>
             </a:extLst>
           </p:cNvPr>
@@ -1277,7 +1277,7 @@
           <p:cNvPr id="3" name="Content Placeholder 2">
             <a:extLst>
               <a:ext uri="{FF2B5EF4-FFF2-40B4-BE49-F238E27FC236}">
-                <a16:creationId xmlns:a16="http://schemas.microsoft.com/office/drawing/2014/main" id="{207E02E1-AFCF-AEE8-B856-17238106BFCE}"/>
+                <a16:creationId xmlns:a16="http://schemas.microsoft.com/office/drawing/2014/main" xmlns="" id="{207E02E1-AFCF-AEE8-B856-17238106BFCE}"/>
               </a:ext>
             </a:extLst>
           </p:cNvPr>
@@ -1340,7 +1340,7 @@
           <p:cNvPr id="4" name="Content Placeholder 3">
             <a:extLst>
               <a:ext uri="{FF2B5EF4-FFF2-40B4-BE49-F238E27FC236}">
-                <a16:creationId xmlns:a16="http://schemas.microsoft.com/office/drawing/2014/main" id="{A3D0889D-DA31-988B-F1C2-174FE1D6D8A2}"/>
+                <a16:creationId xmlns:a16="http://schemas.microsoft.com/office/drawing/2014/main" xmlns="" id="{A3D0889D-DA31-988B-F1C2-174FE1D6D8A2}"/>
               </a:ext>
             </a:extLst>
           </p:cNvPr>
@@ -1403,7 +1403,7 @@
           <p:cNvPr id="5" name="Date Placeholder 4">
             <a:extLst>
               <a:ext uri="{FF2B5EF4-FFF2-40B4-BE49-F238E27FC236}">
-                <a16:creationId xmlns:a16="http://schemas.microsoft.com/office/drawing/2014/main" id="{F12FADA0-9666-12F7-CC12-B066C86DBCEF}"/>
+                <a16:creationId xmlns:a16="http://schemas.microsoft.com/office/drawing/2014/main" xmlns="" id="{F12FADA0-9666-12F7-CC12-B066C86DBCEF}"/>
               </a:ext>
             </a:extLst>
           </p:cNvPr>
@@ -1421,7 +1421,7 @@
           <a:p>
             <a:fld id="{29ED42FC-243C-41FD-852D-9E078ACED360}" type="datetimeFigureOut">
               <a:rPr lang="en-IN" smtClean="0"/>
-              <a:t>18-04-2024</a:t>
+              <a:t>29-04-2024</a:t>
             </a:fld>
             <a:endParaRPr lang="en-IN"/>
           </a:p>
@@ -1432,7 +1432,7 @@
           <p:cNvPr id="6" name="Footer Placeholder 5">
             <a:extLst>
               <a:ext uri="{FF2B5EF4-FFF2-40B4-BE49-F238E27FC236}">
-                <a16:creationId xmlns:a16="http://schemas.microsoft.com/office/drawing/2014/main" id="{910EF823-8980-A3D6-2047-C29B6E36087C}"/>
+                <a16:creationId xmlns:a16="http://schemas.microsoft.com/office/drawing/2014/main" xmlns="" id="{910EF823-8980-A3D6-2047-C29B6E36087C}"/>
               </a:ext>
             </a:extLst>
           </p:cNvPr>
@@ -1457,7 +1457,7 @@
           <p:cNvPr id="7" name="Slide Number Placeholder 6">
             <a:extLst>
               <a:ext uri="{FF2B5EF4-FFF2-40B4-BE49-F238E27FC236}">
-                <a16:creationId xmlns:a16="http://schemas.microsoft.com/office/drawing/2014/main" id="{C873E437-92D6-0E31-58D5-274E1BEE4539}"/>
+                <a16:creationId xmlns:a16="http://schemas.microsoft.com/office/drawing/2014/main" xmlns="" id="{C873E437-92D6-0E31-58D5-274E1BEE4539}"/>
               </a:ext>
             </a:extLst>
           </p:cNvPr>
@@ -1516,7 +1516,7 @@
           <p:cNvPr id="2" name="Title 1">
             <a:extLst>
               <a:ext uri="{FF2B5EF4-FFF2-40B4-BE49-F238E27FC236}">
-                <a16:creationId xmlns:a16="http://schemas.microsoft.com/office/drawing/2014/main" id="{7892A039-5339-43BE-CC52-863BB730AD4D}"/>
+                <a16:creationId xmlns:a16="http://schemas.microsoft.com/office/drawing/2014/main" xmlns="" id="{7892A039-5339-43BE-CC52-863BB730AD4D}"/>
               </a:ext>
             </a:extLst>
           </p:cNvPr>
@@ -1550,7 +1550,7 @@
           <p:cNvPr id="3" name="Text Placeholder 2">
             <a:extLst>
               <a:ext uri="{FF2B5EF4-FFF2-40B4-BE49-F238E27FC236}">
-                <a16:creationId xmlns:a16="http://schemas.microsoft.com/office/drawing/2014/main" id="{1CD65E62-DA4A-2E2F-21B7-2EDC2DA2009A}"/>
+                <a16:creationId xmlns:a16="http://schemas.microsoft.com/office/drawing/2014/main" xmlns="" id="{1CD65E62-DA4A-2E2F-21B7-2EDC2DA2009A}"/>
               </a:ext>
             </a:extLst>
           </p:cNvPr>
@@ -1621,7 +1621,7 @@
           <p:cNvPr id="4" name="Content Placeholder 3">
             <a:extLst>
               <a:ext uri="{FF2B5EF4-FFF2-40B4-BE49-F238E27FC236}">
-                <a16:creationId xmlns:a16="http://schemas.microsoft.com/office/drawing/2014/main" id="{372D2BE0-A734-CE95-D92D-153B61578987}"/>
+                <a16:creationId xmlns:a16="http://schemas.microsoft.com/office/drawing/2014/main" xmlns="" id="{372D2BE0-A734-CE95-D92D-153B61578987}"/>
               </a:ext>
             </a:extLst>
           </p:cNvPr>
@@ -1684,7 +1684,7 @@
           <p:cNvPr id="5" name="Text Placeholder 4">
             <a:extLst>
               <a:ext uri="{FF2B5EF4-FFF2-40B4-BE49-F238E27FC236}">
-                <a16:creationId xmlns:a16="http://schemas.microsoft.com/office/drawing/2014/main" id="{6F948B90-7F01-7C1E-5E22-A986C42DD7E9}"/>
+                <a16:creationId xmlns:a16="http://schemas.microsoft.com/office/drawing/2014/main" xmlns="" id="{6F948B90-7F01-7C1E-5E22-A986C42DD7E9}"/>
               </a:ext>
             </a:extLst>
           </p:cNvPr>
@@ -1755,7 +1755,7 @@
           <p:cNvPr id="6" name="Content Placeholder 5">
             <a:extLst>
               <a:ext uri="{FF2B5EF4-FFF2-40B4-BE49-F238E27FC236}">
-                <a16:creationId xmlns:a16="http://schemas.microsoft.com/office/drawing/2014/main" id="{34CEF08A-9956-4F24-F173-52EE595A21F0}"/>
+                <a16:creationId xmlns:a16="http://schemas.microsoft.com/office/drawing/2014/main" xmlns="" id="{34CEF08A-9956-4F24-F173-52EE595A21F0}"/>
               </a:ext>
             </a:extLst>
           </p:cNvPr>
@@ -1818,7 +1818,7 @@
           <p:cNvPr id="7" name="Date Placeholder 6">
             <a:extLst>
               <a:ext uri="{FF2B5EF4-FFF2-40B4-BE49-F238E27FC236}">
-                <a16:creationId xmlns:a16="http://schemas.microsoft.com/office/drawing/2014/main" id="{F3ABD55E-6DBB-D3B4-578D-CC305E9C693C}"/>
+                <a16:creationId xmlns:a16="http://schemas.microsoft.com/office/drawing/2014/main" xmlns="" id="{F3ABD55E-6DBB-D3B4-578D-CC305E9C693C}"/>
               </a:ext>
             </a:extLst>
           </p:cNvPr>
@@ -1836,7 +1836,7 @@
           <a:p>
             <a:fld id="{29ED42FC-243C-41FD-852D-9E078ACED360}" type="datetimeFigureOut">
               <a:rPr lang="en-IN" smtClean="0"/>
-              <a:t>18-04-2024</a:t>
+              <a:t>29-04-2024</a:t>
             </a:fld>
             <a:endParaRPr lang="en-IN"/>
           </a:p>
@@ -1847,7 +1847,7 @@
           <p:cNvPr id="8" name="Footer Placeholder 7">
             <a:extLst>
               <a:ext uri="{FF2B5EF4-FFF2-40B4-BE49-F238E27FC236}">
-                <a16:creationId xmlns:a16="http://schemas.microsoft.com/office/drawing/2014/main" id="{75E55EA6-F686-2223-FC41-0F1F952CFCD2}"/>
+                <a16:creationId xmlns:a16="http://schemas.microsoft.com/office/drawing/2014/main" xmlns="" id="{75E55EA6-F686-2223-FC41-0F1F952CFCD2}"/>
               </a:ext>
             </a:extLst>
           </p:cNvPr>
@@ -1872,7 +1872,7 @@
           <p:cNvPr id="9" name="Slide Number Placeholder 8">
             <a:extLst>
               <a:ext uri="{FF2B5EF4-FFF2-40B4-BE49-F238E27FC236}">
-                <a16:creationId xmlns:a16="http://schemas.microsoft.com/office/drawing/2014/main" id="{B606F079-9C37-9B65-9667-4BF59D50D568}"/>
+                <a16:creationId xmlns:a16="http://schemas.microsoft.com/office/drawing/2014/main" xmlns="" id="{B606F079-9C37-9B65-9667-4BF59D50D568}"/>
               </a:ext>
             </a:extLst>
           </p:cNvPr>
@@ -1931,7 +1931,7 @@
           <p:cNvPr id="2" name="Title 1">
             <a:extLst>
               <a:ext uri="{FF2B5EF4-FFF2-40B4-BE49-F238E27FC236}">
-                <a16:creationId xmlns:a16="http://schemas.microsoft.com/office/drawing/2014/main" id="{F307704E-BDCC-1B0C-D76C-997CC432BFA2}"/>
+                <a16:creationId xmlns:a16="http://schemas.microsoft.com/office/drawing/2014/main" xmlns="" id="{F307704E-BDCC-1B0C-D76C-997CC432BFA2}"/>
               </a:ext>
             </a:extLst>
           </p:cNvPr>
@@ -1960,7 +1960,7 @@
           <p:cNvPr id="3" name="Date Placeholder 2">
             <a:extLst>
               <a:ext uri="{FF2B5EF4-FFF2-40B4-BE49-F238E27FC236}">
-                <a16:creationId xmlns:a16="http://schemas.microsoft.com/office/drawing/2014/main" id="{E3453033-8554-A788-D1DB-0EF29651BB24}"/>
+                <a16:creationId xmlns:a16="http://schemas.microsoft.com/office/drawing/2014/main" xmlns="" id="{E3453033-8554-A788-D1DB-0EF29651BB24}"/>
               </a:ext>
             </a:extLst>
           </p:cNvPr>
@@ -1978,7 +1978,7 @@
           <a:p>
             <a:fld id="{29ED42FC-243C-41FD-852D-9E078ACED360}" type="datetimeFigureOut">
               <a:rPr lang="en-IN" smtClean="0"/>
-              <a:t>18-04-2024</a:t>
+              <a:t>29-04-2024</a:t>
             </a:fld>
             <a:endParaRPr lang="en-IN"/>
           </a:p>
@@ -1989,7 +1989,7 @@
           <p:cNvPr id="4" name="Footer Placeholder 3">
             <a:extLst>
               <a:ext uri="{FF2B5EF4-FFF2-40B4-BE49-F238E27FC236}">
-                <a16:creationId xmlns:a16="http://schemas.microsoft.com/office/drawing/2014/main" id="{92978477-DF4D-9EB5-CCB3-D7BF22FAC618}"/>
+                <a16:creationId xmlns:a16="http://schemas.microsoft.com/office/drawing/2014/main" xmlns="" id="{92978477-DF4D-9EB5-CCB3-D7BF22FAC618}"/>
               </a:ext>
             </a:extLst>
           </p:cNvPr>
@@ -2014,7 +2014,7 @@
           <p:cNvPr id="5" name="Slide Number Placeholder 4">
             <a:extLst>
               <a:ext uri="{FF2B5EF4-FFF2-40B4-BE49-F238E27FC236}">
-                <a16:creationId xmlns:a16="http://schemas.microsoft.com/office/drawing/2014/main" id="{94561890-103E-65DA-2BCD-0AA7CD94DDB0}"/>
+                <a16:creationId xmlns:a16="http://schemas.microsoft.com/office/drawing/2014/main" xmlns="" id="{94561890-103E-65DA-2BCD-0AA7CD94DDB0}"/>
               </a:ext>
             </a:extLst>
           </p:cNvPr>
@@ -2073,7 +2073,7 @@
           <p:cNvPr id="2" name="Date Placeholder 1">
             <a:extLst>
               <a:ext uri="{FF2B5EF4-FFF2-40B4-BE49-F238E27FC236}">
-                <a16:creationId xmlns:a16="http://schemas.microsoft.com/office/drawing/2014/main" id="{CED50CFC-505C-8434-361A-11AC0146A3FC}"/>
+                <a16:creationId xmlns:a16="http://schemas.microsoft.com/office/drawing/2014/main" xmlns="" id="{CED50CFC-505C-8434-361A-11AC0146A3FC}"/>
               </a:ext>
             </a:extLst>
           </p:cNvPr>
@@ -2091,7 +2091,7 @@
           <a:p>
             <a:fld id="{29ED42FC-243C-41FD-852D-9E078ACED360}" type="datetimeFigureOut">
               <a:rPr lang="en-IN" smtClean="0"/>
-              <a:t>18-04-2024</a:t>
+              <a:t>29-04-2024</a:t>
             </a:fld>
             <a:endParaRPr lang="en-IN"/>
           </a:p>
@@ -2102,7 +2102,7 @@
           <p:cNvPr id="3" name="Footer Placeholder 2">
             <a:extLst>
               <a:ext uri="{FF2B5EF4-FFF2-40B4-BE49-F238E27FC236}">
-                <a16:creationId xmlns:a16="http://schemas.microsoft.com/office/drawing/2014/main" id="{C2765E2F-565D-228E-B155-E70888BDC330}"/>
+                <a16:creationId xmlns:a16="http://schemas.microsoft.com/office/drawing/2014/main" xmlns="" id="{C2765E2F-565D-228E-B155-E70888BDC330}"/>
               </a:ext>
             </a:extLst>
           </p:cNvPr>
@@ -2127,7 +2127,7 @@
           <p:cNvPr id="4" name="Slide Number Placeholder 3">
             <a:extLst>
               <a:ext uri="{FF2B5EF4-FFF2-40B4-BE49-F238E27FC236}">
-                <a16:creationId xmlns:a16="http://schemas.microsoft.com/office/drawing/2014/main" id="{638512F0-44E2-0E6D-9C12-D98D0D5F9BFB}"/>
+                <a16:creationId xmlns:a16="http://schemas.microsoft.com/office/drawing/2014/main" xmlns="" id="{638512F0-44E2-0E6D-9C12-D98D0D5F9BFB}"/>
               </a:ext>
             </a:extLst>
           </p:cNvPr>
@@ -2186,7 +2186,7 @@
           <p:cNvPr id="2" name="Title 1">
             <a:extLst>
               <a:ext uri="{FF2B5EF4-FFF2-40B4-BE49-F238E27FC236}">
-                <a16:creationId xmlns:a16="http://schemas.microsoft.com/office/drawing/2014/main" id="{DED19901-9741-0A8F-CBA4-51A12466F6F1}"/>
+                <a16:creationId xmlns:a16="http://schemas.microsoft.com/office/drawing/2014/main" xmlns="" id="{DED19901-9741-0A8F-CBA4-51A12466F6F1}"/>
               </a:ext>
             </a:extLst>
           </p:cNvPr>
@@ -2224,7 +2224,7 @@
           <p:cNvPr id="3" name="Content Placeholder 2">
             <a:extLst>
               <a:ext uri="{FF2B5EF4-FFF2-40B4-BE49-F238E27FC236}">
-                <a16:creationId xmlns:a16="http://schemas.microsoft.com/office/drawing/2014/main" id="{6C65B67E-778E-029A-8DD2-3F93E266B229}"/>
+                <a16:creationId xmlns:a16="http://schemas.microsoft.com/office/drawing/2014/main" xmlns="" id="{6C65B67E-778E-029A-8DD2-3F93E266B229}"/>
               </a:ext>
             </a:extLst>
           </p:cNvPr>
@@ -2315,7 +2315,7 @@
           <p:cNvPr id="4" name="Text Placeholder 3">
             <a:extLst>
               <a:ext uri="{FF2B5EF4-FFF2-40B4-BE49-F238E27FC236}">
-                <a16:creationId xmlns:a16="http://schemas.microsoft.com/office/drawing/2014/main" id="{6488D207-5EC5-AF2E-8668-C33CE7E75CF9}"/>
+                <a16:creationId xmlns:a16="http://schemas.microsoft.com/office/drawing/2014/main" xmlns="" id="{6488D207-5EC5-AF2E-8668-C33CE7E75CF9}"/>
               </a:ext>
             </a:extLst>
           </p:cNvPr>
@@ -2386,7 +2386,7 @@
           <p:cNvPr id="5" name="Date Placeholder 4">
             <a:extLst>
               <a:ext uri="{FF2B5EF4-FFF2-40B4-BE49-F238E27FC236}">
-                <a16:creationId xmlns:a16="http://schemas.microsoft.com/office/drawing/2014/main" id="{E0776CFF-A976-AE93-C988-5FC95A392D95}"/>
+                <a16:creationId xmlns:a16="http://schemas.microsoft.com/office/drawing/2014/main" xmlns="" id="{E0776CFF-A976-AE93-C988-5FC95A392D95}"/>
               </a:ext>
             </a:extLst>
           </p:cNvPr>
@@ -2404,7 +2404,7 @@
           <a:p>
             <a:fld id="{29ED42FC-243C-41FD-852D-9E078ACED360}" type="datetimeFigureOut">
               <a:rPr lang="en-IN" smtClean="0"/>
-              <a:t>18-04-2024</a:t>
+              <a:t>29-04-2024</a:t>
             </a:fld>
             <a:endParaRPr lang="en-IN"/>
           </a:p>
@@ -2415,7 +2415,7 @@
           <p:cNvPr id="6" name="Footer Placeholder 5">
             <a:extLst>
               <a:ext uri="{FF2B5EF4-FFF2-40B4-BE49-F238E27FC236}">
-                <a16:creationId xmlns:a16="http://schemas.microsoft.com/office/drawing/2014/main" id="{56E29D2F-BA27-DAF4-07BA-2B3DBC331935}"/>
+                <a16:creationId xmlns:a16="http://schemas.microsoft.com/office/drawing/2014/main" xmlns="" id="{56E29D2F-BA27-DAF4-07BA-2B3DBC331935}"/>
               </a:ext>
             </a:extLst>
           </p:cNvPr>
@@ -2440,7 +2440,7 @@
           <p:cNvPr id="7" name="Slide Number Placeholder 6">
             <a:extLst>
               <a:ext uri="{FF2B5EF4-FFF2-40B4-BE49-F238E27FC236}">
-                <a16:creationId xmlns:a16="http://schemas.microsoft.com/office/drawing/2014/main" id="{CB2B1C68-F248-F721-F18E-02C66D5C0BC9}"/>
+                <a16:creationId xmlns:a16="http://schemas.microsoft.com/office/drawing/2014/main" xmlns="" id="{CB2B1C68-F248-F721-F18E-02C66D5C0BC9}"/>
               </a:ext>
             </a:extLst>
           </p:cNvPr>
@@ -2499,7 +2499,7 @@
           <p:cNvPr id="2" name="Title 1">
             <a:extLst>
               <a:ext uri="{FF2B5EF4-FFF2-40B4-BE49-F238E27FC236}">
-                <a16:creationId xmlns:a16="http://schemas.microsoft.com/office/drawing/2014/main" id="{1EA0BB22-767F-981F-9104-2B5E9C038F6F}"/>
+                <a16:creationId xmlns:a16="http://schemas.microsoft.com/office/drawing/2014/main" xmlns="" id="{1EA0BB22-767F-981F-9104-2B5E9C038F6F}"/>
               </a:ext>
             </a:extLst>
           </p:cNvPr>
@@ -2537,7 +2537,7 @@
           <p:cNvPr id="3" name="Picture Placeholder 2">
             <a:extLst>
               <a:ext uri="{FF2B5EF4-FFF2-40B4-BE49-F238E27FC236}">
-                <a16:creationId xmlns:a16="http://schemas.microsoft.com/office/drawing/2014/main" id="{BEC1A089-0515-5D77-5193-22BF64CD3308}"/>
+                <a16:creationId xmlns:a16="http://schemas.microsoft.com/office/drawing/2014/main" xmlns="" id="{BEC1A089-0515-5D77-5193-22BF64CD3308}"/>
               </a:ext>
             </a:extLst>
           </p:cNvPr>
@@ -2604,7 +2604,7 @@
           <p:cNvPr id="4" name="Text Placeholder 3">
             <a:extLst>
               <a:ext uri="{FF2B5EF4-FFF2-40B4-BE49-F238E27FC236}">
-                <a16:creationId xmlns:a16="http://schemas.microsoft.com/office/drawing/2014/main" id="{E3A98E18-5090-20F2-5E25-5C3B5E1EDC32}"/>
+                <a16:creationId xmlns:a16="http://schemas.microsoft.com/office/drawing/2014/main" xmlns="" id="{E3A98E18-5090-20F2-5E25-5C3B5E1EDC32}"/>
               </a:ext>
             </a:extLst>
           </p:cNvPr>
@@ -2675,7 +2675,7 @@
           <p:cNvPr id="5" name="Date Placeholder 4">
             <a:extLst>
               <a:ext uri="{FF2B5EF4-FFF2-40B4-BE49-F238E27FC236}">
-                <a16:creationId xmlns:a16="http://schemas.microsoft.com/office/drawing/2014/main" id="{DE938063-142E-5EBD-5964-ACDE70C8A503}"/>
+                <a16:creationId xmlns:a16="http://schemas.microsoft.com/office/drawing/2014/main" xmlns="" id="{DE938063-142E-5EBD-5964-ACDE70C8A503}"/>
               </a:ext>
             </a:extLst>
           </p:cNvPr>
@@ -2693,7 +2693,7 @@
           <a:p>
             <a:fld id="{29ED42FC-243C-41FD-852D-9E078ACED360}" type="datetimeFigureOut">
               <a:rPr lang="en-IN" smtClean="0"/>
-              <a:t>18-04-2024</a:t>
+              <a:t>29-04-2024</a:t>
             </a:fld>
             <a:endParaRPr lang="en-IN"/>
           </a:p>
@@ -2704,7 +2704,7 @@
           <p:cNvPr id="6" name="Footer Placeholder 5">
             <a:extLst>
               <a:ext uri="{FF2B5EF4-FFF2-40B4-BE49-F238E27FC236}">
-                <a16:creationId xmlns:a16="http://schemas.microsoft.com/office/drawing/2014/main" id="{220F1EE2-5797-1809-35C9-41B5194459A6}"/>
+                <a16:creationId xmlns:a16="http://schemas.microsoft.com/office/drawing/2014/main" xmlns="" id="{220F1EE2-5797-1809-35C9-41B5194459A6}"/>
               </a:ext>
             </a:extLst>
           </p:cNvPr>
@@ -2729,7 +2729,7 @@
           <p:cNvPr id="7" name="Slide Number Placeholder 6">
             <a:extLst>
               <a:ext uri="{FF2B5EF4-FFF2-40B4-BE49-F238E27FC236}">
-                <a16:creationId xmlns:a16="http://schemas.microsoft.com/office/drawing/2014/main" id="{C6E240B1-C611-8248-12B3-1C9530789375}"/>
+                <a16:creationId xmlns:a16="http://schemas.microsoft.com/office/drawing/2014/main" xmlns="" id="{C6E240B1-C611-8248-12B3-1C9530789375}"/>
               </a:ext>
             </a:extLst>
           </p:cNvPr>
@@ -2793,7 +2793,7 @@
           <p:cNvPr id="2" name="Title Placeholder 1">
             <a:extLst>
               <a:ext uri="{FF2B5EF4-FFF2-40B4-BE49-F238E27FC236}">
-                <a16:creationId xmlns:a16="http://schemas.microsoft.com/office/drawing/2014/main" id="{7A3061B5-46F7-830F-1519-579141FE1D41}"/>
+                <a16:creationId xmlns:a16="http://schemas.microsoft.com/office/drawing/2014/main" xmlns="" id="{7A3061B5-46F7-830F-1519-579141FE1D41}"/>
               </a:ext>
             </a:extLst>
           </p:cNvPr>
@@ -2832,7 +2832,7 @@
           <p:cNvPr id="3" name="Text Placeholder 2">
             <a:extLst>
               <a:ext uri="{FF2B5EF4-FFF2-40B4-BE49-F238E27FC236}">
-                <a16:creationId xmlns:a16="http://schemas.microsoft.com/office/drawing/2014/main" id="{32C5A9F1-C125-BBC8-AECE-D4ADE5865FF7}"/>
+                <a16:creationId xmlns:a16="http://schemas.microsoft.com/office/drawing/2014/main" xmlns="" id="{32C5A9F1-C125-BBC8-AECE-D4ADE5865FF7}"/>
               </a:ext>
             </a:extLst>
           </p:cNvPr>
@@ -2900,7 +2900,7 @@
           <p:cNvPr id="4" name="Date Placeholder 3">
             <a:extLst>
               <a:ext uri="{FF2B5EF4-FFF2-40B4-BE49-F238E27FC236}">
-                <a16:creationId xmlns:a16="http://schemas.microsoft.com/office/drawing/2014/main" id="{20E3E882-35EF-BCDC-6A5C-140A814A9B6D}"/>
+                <a16:creationId xmlns:a16="http://schemas.microsoft.com/office/drawing/2014/main" xmlns="" id="{20E3E882-35EF-BCDC-6A5C-140A814A9B6D}"/>
               </a:ext>
             </a:extLst>
           </p:cNvPr>
@@ -2936,7 +2936,7 @@
           <a:p>
             <a:fld id="{29ED42FC-243C-41FD-852D-9E078ACED360}" type="datetimeFigureOut">
               <a:rPr lang="en-IN" smtClean="0"/>
-              <a:t>18-04-2024</a:t>
+              <a:t>29-04-2024</a:t>
             </a:fld>
             <a:endParaRPr lang="en-IN"/>
           </a:p>
@@ -2947,7 +2947,7 @@
           <p:cNvPr id="5" name="Footer Placeholder 4">
             <a:extLst>
               <a:ext uri="{FF2B5EF4-FFF2-40B4-BE49-F238E27FC236}">
-                <a16:creationId xmlns:a16="http://schemas.microsoft.com/office/drawing/2014/main" id="{6C6A01F7-290D-E007-291C-052160B1B82F}"/>
+                <a16:creationId xmlns:a16="http://schemas.microsoft.com/office/drawing/2014/main" xmlns="" id="{6C6A01F7-290D-E007-291C-052160B1B82F}"/>
               </a:ext>
             </a:extLst>
           </p:cNvPr>
@@ -2990,7 +2990,7 @@
           <p:cNvPr id="6" name="Slide Number Placeholder 5">
             <a:extLst>
               <a:ext uri="{FF2B5EF4-FFF2-40B4-BE49-F238E27FC236}">
-                <a16:creationId xmlns:a16="http://schemas.microsoft.com/office/drawing/2014/main" id="{6C38141E-EA90-3357-F0D3-BB792769EF60}"/>
+                <a16:creationId xmlns:a16="http://schemas.microsoft.com/office/drawing/2014/main" xmlns="" id="{6C38141E-EA90-3357-F0D3-BB792769EF60}"/>
               </a:ext>
             </a:extLst>
           </p:cNvPr>
@@ -3358,7 +3358,7 @@
           <p:cNvPr id="2" name="Title 1">
             <a:extLst>
               <a:ext uri="{FF2B5EF4-FFF2-40B4-BE49-F238E27FC236}">
-                <a16:creationId xmlns:a16="http://schemas.microsoft.com/office/drawing/2014/main" id="{6B7FFCC5-6EF3-A105-CAAD-4296408D3555}"/>
+                <a16:creationId xmlns:a16="http://schemas.microsoft.com/office/drawing/2014/main" xmlns="" id="{6B7FFCC5-6EF3-A105-CAAD-4296408D3555}"/>
               </a:ext>
             </a:extLst>
           </p:cNvPr>
@@ -3386,7 +3386,7 @@
           <p:cNvPr id="3" name="Subtitle 2">
             <a:extLst>
               <a:ext uri="{FF2B5EF4-FFF2-40B4-BE49-F238E27FC236}">
-                <a16:creationId xmlns:a16="http://schemas.microsoft.com/office/drawing/2014/main" id="{98F09934-1C78-1BF3-A1BD-B190B36A2EAB}"/>
+                <a16:creationId xmlns:a16="http://schemas.microsoft.com/office/drawing/2014/main" xmlns="" id="{98F09934-1C78-1BF3-A1BD-B190B36A2EAB}"/>
               </a:ext>
             </a:extLst>
           </p:cNvPr>
@@ -3441,7 +3441,7 @@
           <p:cNvPr id="2" name="Title 1">
             <a:extLst>
               <a:ext uri="{FF2B5EF4-FFF2-40B4-BE49-F238E27FC236}">
-                <a16:creationId xmlns:a16="http://schemas.microsoft.com/office/drawing/2014/main" id="{D023EC05-EB40-7BB4-BE1E-9D169857D21E}"/>
+                <a16:creationId xmlns:a16="http://schemas.microsoft.com/office/drawing/2014/main" xmlns="" id="{D023EC05-EB40-7BB4-BE1E-9D169857D21E}"/>
               </a:ext>
             </a:extLst>
           </p:cNvPr>
@@ -3469,7 +3469,7 @@
           <p:cNvPr id="3" name="Content Placeholder 2">
             <a:extLst>
               <a:ext uri="{FF2B5EF4-FFF2-40B4-BE49-F238E27FC236}">
-                <a16:creationId xmlns:a16="http://schemas.microsoft.com/office/drawing/2014/main" id="{552EA3CC-C9FE-3D3F-DDDF-A8C854570223}"/>
+                <a16:creationId xmlns:a16="http://schemas.microsoft.com/office/drawing/2014/main" xmlns="" id="{552EA3CC-C9FE-3D3F-DDDF-A8C854570223}"/>
               </a:ext>
             </a:extLst>
           </p:cNvPr>
@@ -3724,6 +3724,19 @@
             </a:r>
           </a:p>
           <a:p>
+            <a:r>
+              <a:rPr lang="en-IN" b="0" dirty="0">
+                <a:solidFill>
+                  <a:srgbClr val="000000"/>
+                </a:solidFill>
+                <a:effectLst/>
+                <a:highlight>
+                  <a:srgbClr val="F7F7F7"/>
+                </a:highlight>
+                <a:latin typeface="Courier New" panose="02070309020205020404" pitchFamily="49" charset="0"/>
+              </a:rPr>
+              <a:t/>
+            </a:r>
             <a:br>
               <a:rPr lang="en-IN" b="0" dirty="0">
                 <a:solidFill>
@@ -3997,6 +4010,19 @@
             </a:r>
           </a:p>
           <a:p>
+            <a:r>
+              <a:rPr lang="en-IN" b="0" dirty="0">
+                <a:solidFill>
+                  <a:srgbClr val="000000"/>
+                </a:solidFill>
+                <a:effectLst/>
+                <a:highlight>
+                  <a:srgbClr val="F7F7F7"/>
+                </a:highlight>
+                <a:latin typeface="Courier New" panose="02070309020205020404" pitchFamily="49" charset="0"/>
+              </a:rPr>
+              <a:t/>
+            </a:r>
             <a:br>
               <a:rPr lang="en-IN" b="0" dirty="0">
                 <a:solidFill>
@@ -4235,6 +4261,19 @@
             </a:r>
           </a:p>
           <a:p>
+            <a:r>
+              <a:rPr lang="en-IN" b="0" dirty="0">
+                <a:solidFill>
+                  <a:srgbClr val="000000"/>
+                </a:solidFill>
+                <a:effectLst/>
+                <a:highlight>
+                  <a:srgbClr val="F7F7F7"/>
+                </a:highlight>
+                <a:latin typeface="Courier New" panose="02070309020205020404" pitchFamily="49" charset="0"/>
+              </a:rPr>
+              <a:t/>
+            </a:r>
             <a:br>
               <a:rPr lang="en-IN" b="0" dirty="0">
                 <a:solidFill>
@@ -4298,7 +4337,7 @@
           <p:cNvPr id="2" name="Title 1">
             <a:extLst>
               <a:ext uri="{FF2B5EF4-FFF2-40B4-BE49-F238E27FC236}">
-                <a16:creationId xmlns:a16="http://schemas.microsoft.com/office/drawing/2014/main" id="{DB1EB7D4-34F0-610F-F650-BF629B6513C4}"/>
+                <a16:creationId xmlns:a16="http://schemas.microsoft.com/office/drawing/2014/main" xmlns="" id="{DB1EB7D4-34F0-610F-F650-BF629B6513C4}"/>
               </a:ext>
             </a:extLst>
           </p:cNvPr>
@@ -4326,7 +4365,7 @@
           <p:cNvPr id="3" name="Content Placeholder 2">
             <a:extLst>
               <a:ext uri="{FF2B5EF4-FFF2-40B4-BE49-F238E27FC236}">
-                <a16:creationId xmlns:a16="http://schemas.microsoft.com/office/drawing/2014/main" id="{1B869A51-7868-9603-048C-64E40C2591EE}"/>
+                <a16:creationId xmlns:a16="http://schemas.microsoft.com/office/drawing/2014/main" xmlns="" id="{1B869A51-7868-9603-048C-64E40C2591EE}"/>
               </a:ext>
             </a:extLst>
           </p:cNvPr>
@@ -4340,10 +4379,13 @@
         <p:spPr/>
         <p:txBody>
           <a:bodyPr>
-            <a:normAutofit fontScale="92500" lnSpcReduction="10000"/>
+            <a:normAutofit lnSpcReduction="10000"/>
           </a:bodyPr>
           <a:lstStyle/>
           <a:p>
+            <a:pPr marL="0" indent="0">
+              <a:buNone/>
+            </a:pPr>
             <a:r>
               <a:rPr lang="en-IN" b="0" dirty="0">
                 <a:solidFill>
@@ -4369,6 +4411,9 @@
             </a:endParaRPr>
           </a:p>
           <a:p>
+            <a:pPr marL="0" indent="0">
+              <a:buNone/>
+            </a:pPr>
             <a:r>
               <a:rPr lang="en-IN" b="0" dirty="0">
                 <a:solidFill>
@@ -4446,6 +4491,9 @@
             </a:endParaRPr>
           </a:p>
           <a:p>
+            <a:pPr marL="0" indent="0">
+              <a:buNone/>
+            </a:pPr>
             <a:r>
               <a:rPr lang="en-IN" b="0" dirty="0" err="1">
                 <a:solidFill>
@@ -4526,6 +4574,22 @@
             </a:r>
           </a:p>
           <a:p>
+            <a:pPr marL="0" indent="0">
+              <a:buNone/>
+            </a:pPr>
+            <a:r>
+              <a:rPr lang="en-IN" b="0" dirty="0">
+                <a:solidFill>
+                  <a:srgbClr val="000000"/>
+                </a:solidFill>
+                <a:effectLst/>
+                <a:highlight>
+                  <a:srgbClr val="F7F7F7"/>
+                </a:highlight>
+                <a:latin typeface="Courier New" panose="02070309020205020404" pitchFamily="49" charset="0"/>
+              </a:rPr>
+              <a:t/>
+            </a:r>
             <a:br>
               <a:rPr lang="en-IN" b="0" dirty="0">
                 <a:solidFill>
@@ -4563,6 +4627,9 @@
             </a:endParaRPr>
           </a:p>
           <a:p>
+            <a:pPr marL="0" indent="0">
+              <a:buNone/>
+            </a:pPr>
             <a:r>
               <a:rPr lang="en-IN" b="0" dirty="0" err="1">
                 <a:solidFill>
@@ -4643,6 +4710,22 @@
             </a:r>
           </a:p>
           <a:p>
+            <a:pPr marL="0" indent="0">
+              <a:buNone/>
+            </a:pPr>
+            <a:r>
+              <a:rPr lang="en-IN" b="0" dirty="0">
+                <a:solidFill>
+                  <a:srgbClr val="000000"/>
+                </a:solidFill>
+                <a:effectLst/>
+                <a:highlight>
+                  <a:srgbClr val="F7F7F7"/>
+                </a:highlight>
+                <a:latin typeface="Courier New" panose="02070309020205020404" pitchFamily="49" charset="0"/>
+              </a:rPr>
+              <a:t/>
+            </a:r>
             <a:br>
               <a:rPr lang="en-IN" b="0" dirty="0">
                 <a:solidFill>
@@ -4680,6 +4763,9 @@
             </a:endParaRPr>
           </a:p>
           <a:p>
+            <a:pPr marL="0" indent="0">
+              <a:buNone/>
+            </a:pPr>
             <a:r>
               <a:rPr lang="en-IN" b="0" dirty="0" err="1">
                 <a:solidFill>
@@ -4799,7 +4885,7 @@
           <p:cNvPr id="2" name="Title 1">
             <a:extLst>
               <a:ext uri="{FF2B5EF4-FFF2-40B4-BE49-F238E27FC236}">
-                <a16:creationId xmlns:a16="http://schemas.microsoft.com/office/drawing/2014/main" id="{FC533A2D-368B-0C91-8C69-2D5B9A8AEE03}"/>
+                <a16:creationId xmlns:a16="http://schemas.microsoft.com/office/drawing/2014/main" xmlns="" id="{FC533A2D-368B-0C91-8C69-2D5B9A8AEE03}"/>
               </a:ext>
             </a:extLst>
           </p:cNvPr>
@@ -4827,7 +4913,7 @@
           <p:cNvPr id="3" name="Content Placeholder 2">
             <a:extLst>
               <a:ext uri="{FF2B5EF4-FFF2-40B4-BE49-F238E27FC236}">
-                <a16:creationId xmlns:a16="http://schemas.microsoft.com/office/drawing/2014/main" id="{D47FCAB6-19F4-FA67-0EA9-77507BFFEBF6}"/>
+                <a16:creationId xmlns:a16="http://schemas.microsoft.com/office/drawing/2014/main" xmlns="" id="{D47FCAB6-19F4-FA67-0EA9-77507BFFEBF6}"/>
               </a:ext>
             </a:extLst>
           </p:cNvPr>
@@ -4845,6 +4931,22 @@
           </a:bodyPr>
           <a:lstStyle/>
           <a:p>
+            <a:pPr marL="0" indent="0">
+              <a:buNone/>
+            </a:pPr>
+            <a:r>
+              <a:rPr lang="en-IN" b="0" dirty="0">
+                <a:solidFill>
+                  <a:srgbClr val="000000"/>
+                </a:solidFill>
+                <a:effectLst/>
+                <a:highlight>
+                  <a:srgbClr val="F7F7F7"/>
+                </a:highlight>
+                <a:latin typeface="Courier New" panose="02070309020205020404" pitchFamily="49" charset="0"/>
+              </a:rPr>
+              <a:t/>
+            </a:r>
             <a:br>
               <a:rPr lang="en-IN" b="0" dirty="0">
                 <a:solidFill>
@@ -4882,6 +4984,9 @@
             </a:endParaRPr>
           </a:p>
           <a:p>
+            <a:pPr marL="0" indent="0">
+              <a:buNone/>
+            </a:pPr>
             <a:r>
               <a:rPr lang="en-IN" b="0" dirty="0">
                 <a:solidFill>
@@ -4975,6 +5080,9 @@
             </a:r>
           </a:p>
           <a:p>
+            <a:pPr marL="0" indent="0">
+              <a:buNone/>
+            </a:pPr>
             <a:r>
               <a:rPr lang="en-IN" b="0" dirty="0">
                 <a:solidFill>
@@ -5029,6 +5137,9 @@
             </a:r>
           </a:p>
           <a:p>
+            <a:pPr marL="0" indent="0">
+              <a:buNone/>
+            </a:pPr>
             <a:r>
               <a:rPr lang="en-IN" b="0" dirty="0">
                 <a:solidFill>
@@ -5083,6 +5194,9 @@
             </a:r>
           </a:p>
           <a:p>
+            <a:pPr marL="0" indent="0">
+              <a:buNone/>
+            </a:pPr>
             <a:r>
               <a:rPr lang="en-IN" b="0" dirty="0">
                 <a:solidFill>
@@ -5189,6 +5303,9 @@
             </a:r>
           </a:p>
           <a:p>
+            <a:pPr marL="0" indent="0">
+              <a:buNone/>
+            </a:pPr>
             <a:r>
               <a:rPr lang="en-IN" b="0" dirty="0">
                 <a:solidFill>
@@ -5243,6 +5360,9 @@
             </a:r>
           </a:p>
           <a:p>
+            <a:pPr marL="0" indent="0">
+              <a:buNone/>
+            </a:pPr>
             <a:r>
               <a:rPr lang="en-IN" b="0" dirty="0">
                 <a:solidFill>
@@ -5349,6 +5469,22 @@
             </a:r>
           </a:p>
           <a:p>
+            <a:pPr marL="0" indent="0">
+              <a:buNone/>
+            </a:pPr>
+            <a:r>
+              <a:rPr lang="en-IN" b="0" dirty="0">
+                <a:solidFill>
+                  <a:srgbClr val="000000"/>
+                </a:solidFill>
+                <a:effectLst/>
+                <a:highlight>
+                  <a:srgbClr val="F7F7F7"/>
+                </a:highlight>
+                <a:latin typeface="Courier New" panose="02070309020205020404" pitchFamily="49" charset="0"/>
+              </a:rPr>
+              <a:t/>
+            </a:r>
             <a:br>
               <a:rPr lang="en-IN" b="0" dirty="0">
                 <a:solidFill>
@@ -5373,6 +5509,9 @@
             </a:endParaRPr>
           </a:p>
           <a:p>
+            <a:pPr marL="0" indent="0">
+              <a:buNone/>
+            </a:pPr>
             <a:endParaRPr lang="en-IN" dirty="0"/>
           </a:p>
         </p:txBody>
@@ -5412,7 +5551,7 @@
           <p:cNvPr id="2" name="Title 1">
             <a:extLst>
               <a:ext uri="{FF2B5EF4-FFF2-40B4-BE49-F238E27FC236}">
-                <a16:creationId xmlns:a16="http://schemas.microsoft.com/office/drawing/2014/main" id="{025EB5EF-CC43-A842-5EA5-A73B20DC7B05}"/>
+                <a16:creationId xmlns:a16="http://schemas.microsoft.com/office/drawing/2014/main" xmlns="" id="{025EB5EF-CC43-A842-5EA5-A73B20DC7B05}"/>
               </a:ext>
             </a:extLst>
           </p:cNvPr>
@@ -5440,7 +5579,7 @@
           <p:cNvPr id="3" name="Content Placeholder 2">
             <a:extLst>
               <a:ext uri="{FF2B5EF4-FFF2-40B4-BE49-F238E27FC236}">
-                <a16:creationId xmlns:a16="http://schemas.microsoft.com/office/drawing/2014/main" id="{AF1E2DC6-E3F7-A1D6-A6E6-D603755E81B8}"/>
+                <a16:creationId xmlns:a16="http://schemas.microsoft.com/office/drawing/2014/main" xmlns="" id="{AF1E2DC6-E3F7-A1D6-A6E6-D603755E81B8}"/>
               </a:ext>
             </a:extLst>
           </p:cNvPr>
@@ -5577,7 +5716,7 @@
           <p:cNvPr id="2" name="Title 1">
             <a:extLst>
               <a:ext uri="{FF2B5EF4-FFF2-40B4-BE49-F238E27FC236}">
-                <a16:creationId xmlns:a16="http://schemas.microsoft.com/office/drawing/2014/main" id="{8BF0456D-0181-6007-60C8-91F0D272F14E}"/>
+                <a16:creationId xmlns:a16="http://schemas.microsoft.com/office/drawing/2014/main" xmlns="" id="{8BF0456D-0181-6007-60C8-91F0D272F14E}"/>
               </a:ext>
             </a:extLst>
           </p:cNvPr>
@@ -5605,7 +5744,7 @@
           <p:cNvPr id="3" name="Content Placeholder 2">
             <a:extLst>
               <a:ext uri="{FF2B5EF4-FFF2-40B4-BE49-F238E27FC236}">
-                <a16:creationId xmlns:a16="http://schemas.microsoft.com/office/drawing/2014/main" id="{1E439EBC-220F-D41A-192B-55E5ED10BE9D}"/>
+                <a16:creationId xmlns:a16="http://schemas.microsoft.com/office/drawing/2014/main" xmlns="" id="{1E439EBC-220F-D41A-192B-55E5ED10BE9D}"/>
               </a:ext>
             </a:extLst>
           </p:cNvPr>
@@ -5713,7 +5852,7 @@
           <p:cNvPr id="2" name="Title 1">
             <a:extLst>
               <a:ext uri="{FF2B5EF4-FFF2-40B4-BE49-F238E27FC236}">
-                <a16:creationId xmlns:a16="http://schemas.microsoft.com/office/drawing/2014/main" id="{15151748-4C7A-DB95-C8F6-4175B5D0C3BF}"/>
+                <a16:creationId xmlns:a16="http://schemas.microsoft.com/office/drawing/2014/main" xmlns="" id="{15151748-4C7A-DB95-C8F6-4175B5D0C3BF}"/>
               </a:ext>
             </a:extLst>
           </p:cNvPr>
@@ -5741,7 +5880,7 @@
           <p:cNvPr id="3" name="Content Placeholder 2">
             <a:extLst>
               <a:ext uri="{FF2B5EF4-FFF2-40B4-BE49-F238E27FC236}">
-                <a16:creationId xmlns:a16="http://schemas.microsoft.com/office/drawing/2014/main" id="{D66CEC56-24EF-8A84-F3D5-D9B8AD9F9708}"/>
+                <a16:creationId xmlns:a16="http://schemas.microsoft.com/office/drawing/2014/main" xmlns="" id="{D66CEC56-24EF-8A84-F3D5-D9B8AD9F9708}"/>
               </a:ext>
             </a:extLst>
           </p:cNvPr>
@@ -5865,7 +6004,7 @@
           <p:cNvPr id="2" name="Title 1">
             <a:extLst>
               <a:ext uri="{FF2B5EF4-FFF2-40B4-BE49-F238E27FC236}">
-                <a16:creationId xmlns:a16="http://schemas.microsoft.com/office/drawing/2014/main" id="{5DCE4F4C-7D50-7035-9CAB-D6C68EEDE5AB}"/>
+                <a16:creationId xmlns:a16="http://schemas.microsoft.com/office/drawing/2014/main" xmlns="" id="{5DCE4F4C-7D50-7035-9CAB-D6C68EEDE5AB}"/>
               </a:ext>
             </a:extLst>
           </p:cNvPr>
@@ -5893,7 +6032,7 @@
           <p:cNvPr id="3" name="Content Placeholder 2">
             <a:extLst>
               <a:ext uri="{FF2B5EF4-FFF2-40B4-BE49-F238E27FC236}">
-                <a16:creationId xmlns:a16="http://schemas.microsoft.com/office/drawing/2014/main" id="{603F0E6F-6CD1-E245-866D-3C81ED8FE200}"/>
+                <a16:creationId xmlns:a16="http://schemas.microsoft.com/office/drawing/2014/main" xmlns="" id="{603F0E6F-6CD1-E245-866D-3C81ED8FE200}"/>
               </a:ext>
             </a:extLst>
           </p:cNvPr>
@@ -5996,7 +6135,7 @@
           <p:cNvPr id="2" name="Title 1">
             <a:extLst>
               <a:ext uri="{FF2B5EF4-FFF2-40B4-BE49-F238E27FC236}">
-                <a16:creationId xmlns:a16="http://schemas.microsoft.com/office/drawing/2014/main" id="{D52A4207-0DE2-FDB6-BBF5-A8FC86DC8E0D}"/>
+                <a16:creationId xmlns:a16="http://schemas.microsoft.com/office/drawing/2014/main" xmlns="" id="{D52A4207-0DE2-FDB6-BBF5-A8FC86DC8E0D}"/>
               </a:ext>
             </a:extLst>
           </p:cNvPr>
@@ -6024,7 +6163,7 @@
           <p:cNvPr id="3" name="Content Placeholder 2">
             <a:extLst>
               <a:ext uri="{FF2B5EF4-FFF2-40B4-BE49-F238E27FC236}">
-                <a16:creationId xmlns:a16="http://schemas.microsoft.com/office/drawing/2014/main" id="{66C89953-293A-52A4-A23D-B08511B35C83}"/>
+                <a16:creationId xmlns:a16="http://schemas.microsoft.com/office/drawing/2014/main" xmlns="" id="{66C89953-293A-52A4-A23D-B08511B35C83}"/>
               </a:ext>
             </a:extLst>
           </p:cNvPr>
@@ -6193,7 +6332,7 @@
           <p:cNvPr id="2" name="Title 1">
             <a:extLst>
               <a:ext uri="{FF2B5EF4-FFF2-40B4-BE49-F238E27FC236}">
-                <a16:creationId xmlns:a16="http://schemas.microsoft.com/office/drawing/2014/main" id="{0A6CAAA2-4863-47D9-3F1C-228728EB9E32}"/>
+                <a16:creationId xmlns:a16="http://schemas.microsoft.com/office/drawing/2014/main" xmlns="" id="{0A6CAAA2-4863-47D9-3F1C-228728EB9E32}"/>
               </a:ext>
             </a:extLst>
           </p:cNvPr>
@@ -6221,7 +6360,7 @@
           <p:cNvPr id="3" name="Content Placeholder 2">
             <a:extLst>
               <a:ext uri="{FF2B5EF4-FFF2-40B4-BE49-F238E27FC236}">
-                <a16:creationId xmlns:a16="http://schemas.microsoft.com/office/drawing/2014/main" id="{A7165A27-98D6-805A-D479-5949944E8763}"/>
+                <a16:creationId xmlns:a16="http://schemas.microsoft.com/office/drawing/2014/main" xmlns="" id="{A7165A27-98D6-805A-D479-5949944E8763}"/>
               </a:ext>
             </a:extLst>
           </p:cNvPr>
@@ -6862,6 +7001,19 @@
             </a:endParaRPr>
           </a:p>
           <a:p>
+            <a:r>
+              <a:rPr lang="en-IN" b="0" dirty="0">
+                <a:solidFill>
+                  <a:srgbClr val="000000"/>
+                </a:solidFill>
+                <a:effectLst/>
+                <a:highlight>
+                  <a:srgbClr val="F7F7F7"/>
+                </a:highlight>
+                <a:latin typeface="Courier New" panose="02070309020205020404" pitchFamily="49" charset="0"/>
+              </a:rPr>
+              <a:t/>
+            </a:r>
             <a:br>
               <a:rPr lang="en-IN" b="0" dirty="0">
                 <a:solidFill>
@@ -6925,7 +7077,7 @@
           <p:cNvPr id="2" name="Title 1">
             <a:extLst>
               <a:ext uri="{FF2B5EF4-FFF2-40B4-BE49-F238E27FC236}">
-                <a16:creationId xmlns:a16="http://schemas.microsoft.com/office/drawing/2014/main" id="{56AC3539-222E-2D49-E675-1649BA36513C}"/>
+                <a16:creationId xmlns:a16="http://schemas.microsoft.com/office/drawing/2014/main" xmlns="" id="{56AC3539-222E-2D49-E675-1649BA36513C}"/>
               </a:ext>
             </a:extLst>
           </p:cNvPr>
@@ -6953,7 +7105,7 @@
           <p:cNvPr id="3" name="Content Placeholder 2">
             <a:extLst>
               <a:ext uri="{FF2B5EF4-FFF2-40B4-BE49-F238E27FC236}">
-                <a16:creationId xmlns:a16="http://schemas.microsoft.com/office/drawing/2014/main" id="{86AA5CCB-CB72-E547-A344-65D983149FF5}"/>
+                <a16:creationId xmlns:a16="http://schemas.microsoft.com/office/drawing/2014/main" xmlns="" id="{86AA5CCB-CB72-E547-A344-65D983149FF5}"/>
               </a:ext>
             </a:extLst>
           </p:cNvPr>
@@ -7744,7 +7896,7 @@
           <p:cNvPr id="2" name="Title 1">
             <a:extLst>
               <a:ext uri="{FF2B5EF4-FFF2-40B4-BE49-F238E27FC236}">
-                <a16:creationId xmlns:a16="http://schemas.microsoft.com/office/drawing/2014/main" id="{4888BA13-EB5B-CE53-48F4-527DF2A54CCD}"/>
+                <a16:creationId xmlns:a16="http://schemas.microsoft.com/office/drawing/2014/main" xmlns="" id="{4888BA13-EB5B-CE53-48F4-527DF2A54CCD}"/>
               </a:ext>
             </a:extLst>
           </p:cNvPr>
@@ -7772,7 +7924,7 @@
           <p:cNvPr id="3" name="Content Placeholder 2">
             <a:extLst>
               <a:ext uri="{FF2B5EF4-FFF2-40B4-BE49-F238E27FC236}">
-                <a16:creationId xmlns:a16="http://schemas.microsoft.com/office/drawing/2014/main" id="{422E6BDA-9164-1517-4EB2-D07A653FFADB}"/>
+                <a16:creationId xmlns:a16="http://schemas.microsoft.com/office/drawing/2014/main" xmlns="" id="{422E6BDA-9164-1517-4EB2-D07A653FFADB}"/>
               </a:ext>
             </a:extLst>
           </p:cNvPr>
@@ -8285,6 +8437,19 @@
             </a:r>
           </a:p>
           <a:p>
+            <a:r>
+              <a:rPr lang="en-IN" b="0" dirty="0">
+                <a:solidFill>
+                  <a:srgbClr val="000000"/>
+                </a:solidFill>
+                <a:effectLst/>
+                <a:highlight>
+                  <a:srgbClr val="F7F7F7"/>
+                </a:highlight>
+                <a:latin typeface="Courier New" panose="02070309020205020404" pitchFamily="49" charset="0"/>
+              </a:rPr>
+              <a:t/>
+            </a:r>
             <a:br>
               <a:rPr lang="en-IN" b="0" dirty="0">
                 <a:solidFill>
@@ -8369,7 +8534,7 @@
     </a:clrScheme>
     <a:fontScheme name="Office">
       <a:majorFont>
-        <a:latin typeface="Calibri Light" panose="020F0302020204030204"/>
+        <a:latin typeface="Calibri Light"/>
         <a:ea typeface=""/>
         <a:cs typeface=""/>
         <a:font script="Jpan" typeface="游ゴシック Light"/>
@@ -8421,7 +8586,7 @@
         <a:font script="Tfng" typeface="Ebrima"/>
       </a:majorFont>
       <a:minorFont>
-        <a:latin typeface="Calibri" panose="020F0502020204030204"/>
+        <a:latin typeface="Calibri"/>
         <a:ea typeface=""/>
         <a:cs typeface=""/>
         <a:font script="Jpan" typeface="游ゴシック"/>
@@ -8615,7 +8780,7 @@
   <a:extraClrSchemeLst/>
   <a:extLst>
     <a:ext uri="{05A4C25C-085E-4340-85A3-A5531E510DB2}">
-      <thm15:themeFamily xmlns:thm15="http://schemas.microsoft.com/office/thememl/2012/main" name="Office Theme" id="{62F939B6-93AF-4DB8-9C6B-D6C7DFDC589F}" vid="{4A3C46E8-61CC-4603-A589-7422A47A8E4A}"/>
+      <thm15:themeFamily xmlns:thm15="http://schemas.microsoft.com/office/thememl/2012/main" xmlns="" name="Office Theme" id="{62F939B6-93AF-4DB8-9C6B-D6C7DFDC589F}" vid="{4A3C46E8-61CC-4603-A589-7422A47A8E4A}"/>
     </a:ext>
   </a:extLst>
 </a:theme>
